--- a/Laboratorium zastosowań elektroniki/Laboratory/22.03.2024/Z-PEL-DB-Lab-04.pptx
+++ b/Laboratorium zastosowań elektroniki/Laboratory/22.03.2024/Z-PEL-DB-Lab-04.pptx
@@ -216,7 +216,7 @@
           <a:p>
             <a:fld id="{5F3B955B-D6B9-4E30-9ECB-D1BD75A5F1D8}" type="datetimeFigureOut">
               <a:rPr lang="pl-PL" smtClean="0"/>
-              <a:t>19.03.2024</a:t>
+              <a:t>23.03.2024</a:t>
             </a:fld>
             <a:endParaRPr lang="pl-PL"/>
           </a:p>
@@ -698,7 +698,7 @@
           <a:p>
             <a:fld id="{4D4E0D28-09B2-4E2A-9616-0105020327B5}" type="datetimeFigureOut">
               <a:rPr lang="pl-PL" smtClean="0"/>
-              <a:t>19.03.2024</a:t>
+              <a:t>23.03.2024</a:t>
             </a:fld>
             <a:endParaRPr lang="pl-PL"/>
           </a:p>
@@ -868,7 +868,7 @@
           <a:p>
             <a:fld id="{4D4E0D28-09B2-4E2A-9616-0105020327B5}" type="datetimeFigureOut">
               <a:rPr lang="pl-PL" smtClean="0"/>
-              <a:t>19.03.2024</a:t>
+              <a:t>23.03.2024</a:t>
             </a:fld>
             <a:endParaRPr lang="pl-PL"/>
           </a:p>
@@ -1048,7 +1048,7 @@
           <a:p>
             <a:fld id="{4D4E0D28-09B2-4E2A-9616-0105020327B5}" type="datetimeFigureOut">
               <a:rPr lang="pl-PL" smtClean="0"/>
-              <a:t>19.03.2024</a:t>
+              <a:t>23.03.2024</a:t>
             </a:fld>
             <a:endParaRPr lang="pl-PL"/>
           </a:p>
@@ -1218,7 +1218,7 @@
           <a:p>
             <a:fld id="{4D4E0D28-09B2-4E2A-9616-0105020327B5}" type="datetimeFigureOut">
               <a:rPr lang="pl-PL" smtClean="0"/>
-              <a:t>19.03.2024</a:t>
+              <a:t>23.03.2024</a:t>
             </a:fld>
             <a:endParaRPr lang="pl-PL"/>
           </a:p>
@@ -1462,7 +1462,7 @@
           <a:p>
             <a:fld id="{4D4E0D28-09B2-4E2A-9616-0105020327B5}" type="datetimeFigureOut">
               <a:rPr lang="pl-PL" smtClean="0"/>
-              <a:t>19.03.2024</a:t>
+              <a:t>23.03.2024</a:t>
             </a:fld>
             <a:endParaRPr lang="pl-PL"/>
           </a:p>
@@ -1694,7 +1694,7 @@
           <a:p>
             <a:fld id="{4D4E0D28-09B2-4E2A-9616-0105020327B5}" type="datetimeFigureOut">
               <a:rPr lang="pl-PL" smtClean="0"/>
-              <a:t>19.03.2024</a:t>
+              <a:t>23.03.2024</a:t>
             </a:fld>
             <a:endParaRPr lang="pl-PL"/>
           </a:p>
@@ -2061,7 +2061,7 @@
           <a:p>
             <a:fld id="{4D4E0D28-09B2-4E2A-9616-0105020327B5}" type="datetimeFigureOut">
               <a:rPr lang="pl-PL" smtClean="0"/>
-              <a:t>19.03.2024</a:t>
+              <a:t>23.03.2024</a:t>
             </a:fld>
             <a:endParaRPr lang="pl-PL"/>
           </a:p>
@@ -2179,7 +2179,7 @@
           <a:p>
             <a:fld id="{4D4E0D28-09B2-4E2A-9616-0105020327B5}" type="datetimeFigureOut">
               <a:rPr lang="pl-PL" smtClean="0"/>
-              <a:t>19.03.2024</a:t>
+              <a:t>23.03.2024</a:t>
             </a:fld>
             <a:endParaRPr lang="pl-PL"/>
           </a:p>
@@ -2274,7 +2274,7 @@
           <a:p>
             <a:fld id="{4D4E0D28-09B2-4E2A-9616-0105020327B5}" type="datetimeFigureOut">
               <a:rPr lang="pl-PL" smtClean="0"/>
-              <a:t>19.03.2024</a:t>
+              <a:t>23.03.2024</a:t>
             </a:fld>
             <a:endParaRPr lang="pl-PL"/>
           </a:p>
@@ -2551,7 +2551,7 @@
           <a:p>
             <a:fld id="{4D4E0D28-09B2-4E2A-9616-0105020327B5}" type="datetimeFigureOut">
               <a:rPr lang="pl-PL" smtClean="0"/>
-              <a:t>19.03.2024</a:t>
+              <a:t>23.03.2024</a:t>
             </a:fld>
             <a:endParaRPr lang="pl-PL"/>
           </a:p>
@@ -2808,7 +2808,7 @@
           <a:p>
             <a:fld id="{4D4E0D28-09B2-4E2A-9616-0105020327B5}" type="datetimeFigureOut">
               <a:rPr lang="pl-PL" smtClean="0"/>
-              <a:t>19.03.2024</a:t>
+              <a:t>23.03.2024</a:t>
             </a:fld>
             <a:endParaRPr lang="pl-PL"/>
           </a:p>
@@ -3021,7 +3021,7 @@
           <a:p>
             <a:fld id="{4D4E0D28-09B2-4E2A-9616-0105020327B5}" type="datetimeFigureOut">
               <a:rPr lang="pl-PL" smtClean="0"/>
-              <a:t>19.03.2024</a:t>
+              <a:t>23.03.2024</a:t>
             </a:fld>
             <a:endParaRPr lang="pl-PL"/>
           </a:p>
@@ -15590,7 +15590,7 @@
           </p:nvSpPr>
           <p:spPr>
             <a:xfrm>
-              <a:off x="2873829" y="6218491"/>
+              <a:off x="2864951" y="5961865"/>
               <a:ext cx="532561" cy="307777"/>
             </a:xfrm>
             <a:prstGeom prst="rect">
